--- a/Slides/PH223_Lecture_46.pptx
+++ b/Slides/PH223_Lecture_46.pptx
@@ -166,7 +166,7 @@
 <file path=ppt/revisionInfo.xml><?xml version="1.0" encoding="utf-8"?>
 <p1510:revInfo xmlns:a="http://schemas.openxmlformats.org/drawingml/2006/main" xmlns:r="http://schemas.openxmlformats.org/officeDocument/2006/relationships" xmlns:p1510="http://schemas.microsoft.com/office/powerpoint/2015/10/main">
   <p1510:revLst>
-    <p1510:client id="{5BC0871A-774D-4453-B8B4-AFA9AAB67B99}" v="1" dt="2024-11-27T21:04:07.590"/>
+    <p1510:client id="{64E00497-A284-441C-85AA-A8A495F5E348}" v="1" dt="2025-12-04T22:20:05.901"/>
   </p1510:revLst>
 </p1510:revInfo>
 </file>
@@ -174,613 +174,24 @@
 <file path=ppt/changesInfos/changesInfo1.xml><?xml version="1.0" encoding="utf-8"?>
 <pc:chgInfo xmlns:a="http://schemas.openxmlformats.org/drawingml/2006/main" xmlns:r="http://schemas.openxmlformats.org/officeDocument/2006/relationships" xmlns:ac="http://schemas.microsoft.com/office/drawing/2013/main/command" xmlns:pc="http://schemas.microsoft.com/office/powerpoint/2013/main/command">
   <pc:docChgLst>
-    <pc:chgData name="Lines, Todd" userId="afaf7c3a-e8aa-4568-882a-02ad8f9e19b0" providerId="ADAL" clId="{94697C76-E218-456D-AEA0-211C42FA23B6}"/>
+    <pc:chgData name="Lines, Todd" userId="afaf7c3a-e8aa-4568-882a-02ad8f9e19b0" providerId="ADAL" clId="{5FF5AC1B-ABA9-43D7-A1E3-2D92732CD6E2}"/>
     <pc:docChg chg="custSel modSld">
-      <pc:chgData name="Lines, Todd" userId="afaf7c3a-e8aa-4568-882a-02ad8f9e19b0" providerId="ADAL" clId="{94697C76-E218-456D-AEA0-211C42FA23B6}" dt="2024-05-14T16:43:08.060" v="28" actId="21"/>
+      <pc:chgData name="Lines, Todd" userId="afaf7c3a-e8aa-4568-882a-02ad8f9e19b0" providerId="ADAL" clId="{5FF5AC1B-ABA9-43D7-A1E3-2D92732CD6E2}" dt="2025-12-04T22:20:11.300" v="1" actId="21"/>
       <pc:docMkLst>
         <pc:docMk/>
       </pc:docMkLst>
       <pc:sldChg chg="delSp modSp mod">
-        <pc:chgData name="Lines, Todd" userId="afaf7c3a-e8aa-4568-882a-02ad8f9e19b0" providerId="ADAL" clId="{94697C76-E218-456D-AEA0-211C42FA23B6}" dt="2024-05-14T16:43:08.060" v="28" actId="21"/>
+        <pc:chgData name="Lines, Todd" userId="afaf7c3a-e8aa-4568-882a-02ad8f9e19b0" providerId="ADAL" clId="{5FF5AC1B-ABA9-43D7-A1E3-2D92732CD6E2}" dt="2025-12-04T22:20:11.300" v="1" actId="21"/>
         <pc:sldMkLst>
           <pc:docMk/>
-          <pc:sldMk cId="0" sldId="261"/>
+          <pc:sldMk cId="0" sldId="278"/>
         </pc:sldMkLst>
-        <pc:grpChg chg="mod">
-          <ac:chgData name="Lines, Todd" userId="afaf7c3a-e8aa-4568-882a-02ad8f9e19b0" providerId="ADAL" clId="{94697C76-E218-456D-AEA0-211C42FA23B6}" dt="2024-05-14T16:42:30.184" v="22" actId="1076"/>
-          <ac:grpSpMkLst>
-            <pc:docMk/>
-            <pc:sldMk cId="0" sldId="261"/>
-            <ac:grpSpMk id="9" creationId="{00000000-0000-0000-0000-000000000000}"/>
-          </ac:grpSpMkLst>
-        </pc:grpChg>
         <pc:picChg chg="del mod">
-          <ac:chgData name="Lines, Todd" userId="afaf7c3a-e8aa-4568-882a-02ad8f9e19b0" providerId="ADAL" clId="{94697C76-E218-456D-AEA0-211C42FA23B6}" dt="2024-05-14T16:43:08.060" v="28" actId="21"/>
+          <ac:chgData name="Lines, Todd" userId="afaf7c3a-e8aa-4568-882a-02ad8f9e19b0" providerId="ADAL" clId="{5FF5AC1B-ABA9-43D7-A1E3-2D92732CD6E2}" dt="2025-12-04T22:20:11.300" v="1" actId="21"/>
           <ac:picMkLst>
             <pc:docMk/>
-            <pc:sldMk cId="0" sldId="261"/>
-            <ac:picMk id="12" creationId="{9604024B-36B7-24B3-4C3D-FAEE7FB950FE}"/>
-          </ac:picMkLst>
-        </pc:picChg>
-        <pc:cxnChg chg="mod">
-          <ac:chgData name="Lines, Todd" userId="afaf7c3a-e8aa-4568-882a-02ad8f9e19b0" providerId="ADAL" clId="{94697C76-E218-456D-AEA0-211C42FA23B6}" dt="2024-05-14T16:41:13.569" v="1" actId="208"/>
-          <ac:cxnSpMkLst>
-            <pc:docMk/>
-            <pc:sldMk cId="0" sldId="261"/>
-            <ac:cxnSpMk id="39" creationId="{00000000-0000-0000-0000-000000000000}"/>
-          </ac:cxnSpMkLst>
-        </pc:cxnChg>
-        <pc:cxnChg chg="mod">
-          <ac:chgData name="Lines, Todd" userId="afaf7c3a-e8aa-4568-882a-02ad8f9e19b0" providerId="ADAL" clId="{94697C76-E218-456D-AEA0-211C42FA23B6}" dt="2024-05-14T16:41:16.512" v="2" actId="208"/>
-          <ac:cxnSpMkLst>
-            <pc:docMk/>
-            <pc:sldMk cId="0" sldId="261"/>
-            <ac:cxnSpMk id="40" creationId="{00000000-0000-0000-0000-000000000000}"/>
-          </ac:cxnSpMkLst>
-        </pc:cxnChg>
-        <pc:cxnChg chg="mod">
-          <ac:chgData name="Lines, Todd" userId="afaf7c3a-e8aa-4568-882a-02ad8f9e19b0" providerId="ADAL" clId="{94697C76-E218-456D-AEA0-211C42FA23B6}" dt="2024-05-14T16:41:10.859" v="0" actId="208"/>
-          <ac:cxnSpMkLst>
-            <pc:docMk/>
-            <pc:sldMk cId="0" sldId="261"/>
-            <ac:cxnSpMk id="41" creationId="{00000000-0000-0000-0000-000000000000}"/>
-          </ac:cxnSpMkLst>
-        </pc:cxnChg>
-        <pc:cxnChg chg="mod">
-          <ac:chgData name="Lines, Todd" userId="afaf7c3a-e8aa-4568-882a-02ad8f9e19b0" providerId="ADAL" clId="{94697C76-E218-456D-AEA0-211C42FA23B6}" dt="2024-05-14T16:42:41.627" v="25" actId="1076"/>
-          <ac:cxnSpMkLst>
-            <pc:docMk/>
-            <pc:sldMk cId="0" sldId="261"/>
-            <ac:cxnSpMk id="45" creationId="{00000000-0000-0000-0000-000000000000}"/>
-          </ac:cxnSpMkLst>
-        </pc:cxnChg>
-        <pc:cxnChg chg="mod">
-          <ac:chgData name="Lines, Todd" userId="afaf7c3a-e8aa-4568-882a-02ad8f9e19b0" providerId="ADAL" clId="{94697C76-E218-456D-AEA0-211C42FA23B6}" dt="2024-05-14T16:42:51.333" v="26" actId="1076"/>
-          <ac:cxnSpMkLst>
-            <pc:docMk/>
-            <pc:sldMk cId="0" sldId="261"/>
-            <ac:cxnSpMk id="50" creationId="{00000000-0000-0000-0000-000000000000}"/>
-          </ac:cxnSpMkLst>
-        </pc:cxnChg>
-      </pc:sldChg>
-    </pc:docChg>
-  </pc:docChgLst>
-  <pc:docChgLst>
-    <pc:chgData name="Lines, Todd" userId="afaf7c3a-e8aa-4568-882a-02ad8f9e19b0" providerId="ADAL" clId="{9B155CD5-C53C-451B-B4F2-DB6A747D6BC5}"/>
-    <pc:docChg chg="modSld">
-      <pc:chgData name="Lines, Todd" userId="afaf7c3a-e8aa-4568-882a-02ad8f9e19b0" providerId="ADAL" clId="{9B155CD5-C53C-451B-B4F2-DB6A747D6BC5}" dt="2024-01-04T18:31:40.803" v="0" actId="1076"/>
-      <pc:docMkLst>
-        <pc:docMk/>
-      </pc:docMkLst>
-      <pc:sldChg chg="modSp mod">
-        <pc:chgData name="Lines, Todd" userId="afaf7c3a-e8aa-4568-882a-02ad8f9e19b0" providerId="ADAL" clId="{9B155CD5-C53C-451B-B4F2-DB6A747D6BC5}" dt="2024-01-04T18:31:40.803" v="0" actId="1076"/>
-        <pc:sldMkLst>
-          <pc:docMk/>
-          <pc:sldMk cId="0" sldId="265"/>
-        </pc:sldMkLst>
-        <pc:picChg chg="mod">
-          <ac:chgData name="Lines, Todd" userId="afaf7c3a-e8aa-4568-882a-02ad8f9e19b0" providerId="ADAL" clId="{9B155CD5-C53C-451B-B4F2-DB6A747D6BC5}" dt="2024-01-04T18:31:40.803" v="0" actId="1076"/>
-          <ac:picMkLst>
-            <pc:docMk/>
-            <pc:sldMk cId="0" sldId="265"/>
-            <ac:picMk id="627714" creationId="{00000000-0000-0000-0000-000000000000}"/>
-          </ac:picMkLst>
-        </pc:picChg>
-      </pc:sldChg>
-    </pc:docChg>
-  </pc:docChgLst>
-  <pc:docChgLst>
-    <pc:chgData name="Lines, Todd" userId="afaf7c3a-e8aa-4568-882a-02ad8f9e19b0" providerId="ADAL" clId="{EC9BCF4E-3225-4E8D-9A27-FE7B02904EE6}"/>
-    <pc:docChg chg="undo custSel addSld delSld modSld sldOrd">
-      <pc:chgData name="Lines, Todd" userId="afaf7c3a-e8aa-4568-882a-02ad8f9e19b0" providerId="ADAL" clId="{EC9BCF4E-3225-4E8D-9A27-FE7B02904EE6}" dt="2023-10-03T22:55:06.536" v="650" actId="20577"/>
-      <pc:docMkLst>
-        <pc:docMk/>
-      </pc:docMkLst>
-      <pc:sldChg chg="addSp delSp modSp mod modClrScheme chgLayout">
-        <pc:chgData name="Lines, Todd" userId="afaf7c3a-e8aa-4568-882a-02ad8f9e19b0" providerId="ADAL" clId="{EC9BCF4E-3225-4E8D-9A27-FE7B02904EE6}" dt="2023-10-03T22:36:39.524" v="139" actId="14100"/>
-        <pc:sldMkLst>
-          <pc:docMk/>
-          <pc:sldMk cId="0" sldId="257"/>
-        </pc:sldMkLst>
-        <pc:spChg chg="del mod ord">
-          <ac:chgData name="Lines, Todd" userId="afaf7c3a-e8aa-4568-882a-02ad8f9e19b0" providerId="ADAL" clId="{EC9BCF4E-3225-4E8D-9A27-FE7B02904EE6}" dt="2023-10-03T22:35:29.661" v="61" actId="700"/>
-          <ac:spMkLst>
-            <pc:docMk/>
-            <pc:sldMk cId="0" sldId="257"/>
-            <ac:spMk id="2" creationId="{00000000-0000-0000-0000-000000000000}"/>
-          </ac:spMkLst>
-        </pc:spChg>
-        <pc:spChg chg="del mod ord">
-          <ac:chgData name="Lines, Todd" userId="afaf7c3a-e8aa-4568-882a-02ad8f9e19b0" providerId="ADAL" clId="{EC9BCF4E-3225-4E8D-9A27-FE7B02904EE6}" dt="2023-10-03T22:35:29.661" v="61" actId="700"/>
-          <ac:spMkLst>
-            <pc:docMk/>
-            <pc:sldMk cId="0" sldId="257"/>
-            <ac:spMk id="3" creationId="{00000000-0000-0000-0000-000000000000}"/>
-          </ac:spMkLst>
-        </pc:spChg>
-        <pc:spChg chg="add mod ord">
-          <ac:chgData name="Lines, Todd" userId="afaf7c3a-e8aa-4568-882a-02ad8f9e19b0" providerId="ADAL" clId="{EC9BCF4E-3225-4E8D-9A27-FE7B02904EE6}" dt="2023-10-03T22:36:39.524" v="139" actId="14100"/>
-          <ac:spMkLst>
-            <pc:docMk/>
-            <pc:sldMk cId="0" sldId="257"/>
-            <ac:spMk id="4" creationId="{5CA282AE-F4A7-2ED6-0FB3-F6F49C5AD683}"/>
-          </ac:spMkLst>
-        </pc:spChg>
-        <pc:spChg chg="add mod ord">
-          <ac:chgData name="Lines, Todd" userId="afaf7c3a-e8aa-4568-882a-02ad8f9e19b0" providerId="ADAL" clId="{EC9BCF4E-3225-4E8D-9A27-FE7B02904EE6}" dt="2023-10-03T22:35:29.661" v="61" actId="700"/>
-          <ac:spMkLst>
-            <pc:docMk/>
-            <pc:sldMk cId="0" sldId="257"/>
-            <ac:spMk id="6" creationId="{E700A840-37AB-5DC4-DA53-64B2A029AC61}"/>
-          </ac:spMkLst>
-        </pc:spChg>
-      </pc:sldChg>
-      <pc:sldChg chg="addSp delSp modSp mod">
-        <pc:chgData name="Lines, Todd" userId="afaf7c3a-e8aa-4568-882a-02ad8f9e19b0" providerId="ADAL" clId="{EC9BCF4E-3225-4E8D-9A27-FE7B02904EE6}" dt="2023-10-03T22:45:19.697" v="170" actId="478"/>
-        <pc:sldMkLst>
-          <pc:docMk/>
-          <pc:sldMk cId="0" sldId="259"/>
-        </pc:sldMkLst>
-        <pc:cxnChg chg="add del mod">
-          <ac:chgData name="Lines, Todd" userId="afaf7c3a-e8aa-4568-882a-02ad8f9e19b0" providerId="ADAL" clId="{EC9BCF4E-3225-4E8D-9A27-FE7B02904EE6}" dt="2023-10-03T22:45:19.697" v="170" actId="478"/>
-          <ac:cxnSpMkLst>
-            <pc:docMk/>
-            <pc:sldMk cId="0" sldId="259"/>
-            <ac:cxnSpMk id="4" creationId="{8D27C6AA-D054-95B9-51ED-44004CF5ABC4}"/>
-          </ac:cxnSpMkLst>
-        </pc:cxnChg>
-        <pc:cxnChg chg="add mod">
-          <ac:chgData name="Lines, Todd" userId="afaf7c3a-e8aa-4568-882a-02ad8f9e19b0" providerId="ADAL" clId="{EC9BCF4E-3225-4E8D-9A27-FE7B02904EE6}" dt="2023-10-03T22:45:15.189" v="169" actId="1036"/>
-          <ac:cxnSpMkLst>
-            <pc:docMk/>
-            <pc:sldMk cId="0" sldId="259"/>
-            <ac:cxnSpMk id="6" creationId="{D61986D9-8438-D259-6C4F-DFB1359BB7E1}"/>
-          </ac:cxnSpMkLst>
-        </pc:cxnChg>
-        <pc:cxnChg chg="add mod">
-          <ac:chgData name="Lines, Todd" userId="afaf7c3a-e8aa-4568-882a-02ad8f9e19b0" providerId="ADAL" clId="{EC9BCF4E-3225-4E8D-9A27-FE7B02904EE6}" dt="2023-10-03T22:45:09.941" v="167" actId="693"/>
-          <ac:cxnSpMkLst>
-            <pc:docMk/>
-            <pc:sldMk cId="0" sldId="259"/>
-            <ac:cxnSpMk id="11" creationId="{BE38C8F3-A4F2-2433-E35E-ECFEACB138AD}"/>
-          </ac:cxnSpMkLst>
-        </pc:cxnChg>
-      </pc:sldChg>
-      <pc:sldChg chg="ord">
-        <pc:chgData name="Lines, Todd" userId="afaf7c3a-e8aa-4568-882a-02ad8f9e19b0" providerId="ADAL" clId="{EC9BCF4E-3225-4E8D-9A27-FE7B02904EE6}" dt="2023-10-03T22:34:42.480" v="60"/>
-        <pc:sldMkLst>
-          <pc:docMk/>
-          <pc:sldMk cId="0" sldId="263"/>
-        </pc:sldMkLst>
-      </pc:sldChg>
-      <pc:sldChg chg="addSp delSp modSp add mod ord">
-        <pc:chgData name="Lines, Todd" userId="afaf7c3a-e8aa-4568-882a-02ad8f9e19b0" providerId="ADAL" clId="{EC9BCF4E-3225-4E8D-9A27-FE7B02904EE6}" dt="2023-10-03T22:25:09.769" v="39" actId="478"/>
-        <pc:sldMkLst>
-          <pc:docMk/>
-          <pc:sldMk cId="0" sldId="642"/>
-        </pc:sldMkLst>
-        <pc:spChg chg="add mod">
-          <ac:chgData name="Lines, Todd" userId="afaf7c3a-e8aa-4568-882a-02ad8f9e19b0" providerId="ADAL" clId="{EC9BCF4E-3225-4E8D-9A27-FE7B02904EE6}" dt="2023-10-03T22:23:17.574" v="14" actId="404"/>
-          <ac:spMkLst>
-            <pc:docMk/>
-            <pc:sldMk cId="0" sldId="642"/>
-            <ac:spMk id="2" creationId="{9DEC2BA7-8395-DB01-2E41-A6D1831AC060}"/>
-          </ac:spMkLst>
-        </pc:spChg>
-        <pc:spChg chg="add mod">
-          <ac:chgData name="Lines, Todd" userId="afaf7c3a-e8aa-4568-882a-02ad8f9e19b0" providerId="ADAL" clId="{EC9BCF4E-3225-4E8D-9A27-FE7B02904EE6}" dt="2023-10-03T22:23:46.273" v="19" actId="207"/>
-          <ac:spMkLst>
-            <pc:docMk/>
-            <pc:sldMk cId="0" sldId="642"/>
-            <ac:spMk id="8" creationId="{4810475E-1B1A-782E-7E99-8C0C2B8C0210}"/>
-          </ac:spMkLst>
-        </pc:spChg>
-        <pc:spChg chg="add mod">
-          <ac:chgData name="Lines, Todd" userId="afaf7c3a-e8aa-4568-882a-02ad8f9e19b0" providerId="ADAL" clId="{EC9BCF4E-3225-4E8D-9A27-FE7B02904EE6}" dt="2023-10-03T22:24:44.161" v="31" actId="207"/>
-          <ac:spMkLst>
-            <pc:docMk/>
-            <pc:sldMk cId="0" sldId="642"/>
-            <ac:spMk id="9" creationId="{E76D5020-7100-D304-9A78-CC36CB3270D4}"/>
-          </ac:spMkLst>
-        </pc:spChg>
-        <pc:spChg chg="add del mod">
-          <ac:chgData name="Lines, Todd" userId="afaf7c3a-e8aa-4568-882a-02ad8f9e19b0" providerId="ADAL" clId="{EC9BCF4E-3225-4E8D-9A27-FE7B02904EE6}" dt="2023-10-03T22:25:09.769" v="39" actId="478"/>
-          <ac:spMkLst>
-            <pc:docMk/>
-            <pc:sldMk cId="0" sldId="642"/>
-            <ac:spMk id="10" creationId="{C5617067-E388-75FA-4809-97FE0F54620B}"/>
-          </ac:spMkLst>
-        </pc:spChg>
-        <pc:spChg chg="add del mod">
-          <ac:chgData name="Lines, Todd" userId="afaf7c3a-e8aa-4568-882a-02ad8f9e19b0" providerId="ADAL" clId="{EC9BCF4E-3225-4E8D-9A27-FE7B02904EE6}" dt="2023-10-03T22:25:06.939" v="38" actId="478"/>
-          <ac:spMkLst>
-            <pc:docMk/>
-            <pc:sldMk cId="0" sldId="642"/>
-            <ac:spMk id="11" creationId="{B6418FF0-12C6-61C9-069F-A7CA9EDFD8A0}"/>
-          </ac:spMkLst>
-        </pc:spChg>
-        <pc:spChg chg="add mod">
-          <ac:chgData name="Lines, Todd" userId="afaf7c3a-e8aa-4568-882a-02ad8f9e19b0" providerId="ADAL" clId="{EC9BCF4E-3225-4E8D-9A27-FE7B02904EE6}" dt="2023-10-03T22:23:17.574" v="14" actId="404"/>
-          <ac:spMkLst>
-            <pc:docMk/>
-            <pc:sldMk cId="0" sldId="642"/>
-            <ac:spMk id="12" creationId="{BF95358D-6F5E-C489-8446-EBE7B71DA6C8}"/>
-          </ac:spMkLst>
-        </pc:spChg>
-        <pc:spChg chg="add del mod">
-          <ac:chgData name="Lines, Todd" userId="afaf7c3a-e8aa-4568-882a-02ad8f9e19b0" providerId="ADAL" clId="{EC9BCF4E-3225-4E8D-9A27-FE7B02904EE6}" dt="2023-10-03T22:24:50.877" v="32" actId="478"/>
-          <ac:spMkLst>
-            <pc:docMk/>
-            <pc:sldMk cId="0" sldId="642"/>
-            <ac:spMk id="13" creationId="{291A2242-E234-233A-2AD5-1A79F9752756}"/>
-          </ac:spMkLst>
-        </pc:spChg>
-        <pc:spChg chg="add del mod">
-          <ac:chgData name="Lines, Todd" userId="afaf7c3a-e8aa-4568-882a-02ad8f9e19b0" providerId="ADAL" clId="{EC9BCF4E-3225-4E8D-9A27-FE7B02904EE6}" dt="2023-10-03T22:24:52.625" v="33" actId="478"/>
-          <ac:spMkLst>
-            <pc:docMk/>
-            <pc:sldMk cId="0" sldId="642"/>
-            <ac:spMk id="14" creationId="{FF215FA8-2CB8-AEBB-7840-B5D15B2A4219}"/>
-          </ac:spMkLst>
-        </pc:spChg>
-        <pc:spChg chg="add del mod">
-          <ac:chgData name="Lines, Todd" userId="afaf7c3a-e8aa-4568-882a-02ad8f9e19b0" providerId="ADAL" clId="{EC9BCF4E-3225-4E8D-9A27-FE7B02904EE6}" dt="2023-10-03T22:24:57.008" v="35" actId="478"/>
-          <ac:spMkLst>
-            <pc:docMk/>
-            <pc:sldMk cId="0" sldId="642"/>
-            <ac:spMk id="15" creationId="{6D9C4BB8-B52B-C86F-BF66-853D26100ECC}"/>
-          </ac:spMkLst>
-        </pc:spChg>
-        <pc:spChg chg="add del mod">
-          <ac:chgData name="Lines, Todd" userId="afaf7c3a-e8aa-4568-882a-02ad8f9e19b0" providerId="ADAL" clId="{EC9BCF4E-3225-4E8D-9A27-FE7B02904EE6}" dt="2023-10-03T22:24:54.698" v="34" actId="478"/>
-          <ac:spMkLst>
-            <pc:docMk/>
-            <pc:sldMk cId="0" sldId="642"/>
-            <ac:spMk id="16" creationId="{21F98D8E-E026-3922-321B-C33E8B01D892}"/>
-          </ac:spMkLst>
-        </pc:spChg>
-        <pc:spChg chg="add del mod">
-          <ac:chgData name="Lines, Todd" userId="afaf7c3a-e8aa-4568-882a-02ad8f9e19b0" providerId="ADAL" clId="{EC9BCF4E-3225-4E8D-9A27-FE7B02904EE6}" dt="2023-10-03T22:24:05.117" v="21" actId="478"/>
-          <ac:spMkLst>
-            <pc:docMk/>
-            <pc:sldMk cId="0" sldId="642"/>
-            <ac:spMk id="17" creationId="{E6103CCA-B3B0-2B5B-DDF2-714CDB3BD5E8}"/>
-          </ac:spMkLst>
-        </pc:spChg>
-        <pc:spChg chg="add del mod">
-          <ac:chgData name="Lines, Todd" userId="afaf7c3a-e8aa-4568-882a-02ad8f9e19b0" providerId="ADAL" clId="{EC9BCF4E-3225-4E8D-9A27-FE7B02904EE6}" dt="2023-10-03T22:24:11.663" v="25"/>
-          <ac:spMkLst>
-            <pc:docMk/>
-            <pc:sldMk cId="0" sldId="642"/>
-            <ac:spMk id="19" creationId="{1416733E-9C74-C9B2-BC39-63A15682D03E}"/>
-          </ac:spMkLst>
-        </pc:spChg>
-        <pc:spChg chg="add del mod">
-          <ac:chgData name="Lines, Todd" userId="afaf7c3a-e8aa-4568-882a-02ad8f9e19b0" providerId="ADAL" clId="{EC9BCF4E-3225-4E8D-9A27-FE7B02904EE6}" dt="2023-10-03T22:24:11.663" v="25"/>
-          <ac:spMkLst>
-            <pc:docMk/>
-            <pc:sldMk cId="0" sldId="642"/>
-            <ac:spMk id="25" creationId="{7DD40F37-80DE-B980-2558-B2E45C2A79D0}"/>
-          </ac:spMkLst>
-        </pc:spChg>
-        <pc:spChg chg="add del mod">
-          <ac:chgData name="Lines, Todd" userId="afaf7c3a-e8aa-4568-882a-02ad8f9e19b0" providerId="ADAL" clId="{EC9BCF4E-3225-4E8D-9A27-FE7B02904EE6}" dt="2023-10-03T22:24:11.663" v="25"/>
-          <ac:spMkLst>
-            <pc:docMk/>
-            <pc:sldMk cId="0" sldId="642"/>
-            <ac:spMk id="26" creationId="{7724121D-2A78-C023-AD29-3DC27DEB3845}"/>
-          </ac:spMkLst>
-        </pc:spChg>
-        <pc:spChg chg="add del mod">
-          <ac:chgData name="Lines, Todd" userId="afaf7c3a-e8aa-4568-882a-02ad8f9e19b0" providerId="ADAL" clId="{EC9BCF4E-3225-4E8D-9A27-FE7B02904EE6}" dt="2023-10-03T22:24:11.663" v="25"/>
-          <ac:spMkLst>
-            <pc:docMk/>
-            <pc:sldMk cId="0" sldId="642"/>
-            <ac:spMk id="27" creationId="{54CA0F83-B5FE-F0B3-D9A5-C623E383399D}"/>
-          </ac:spMkLst>
-        </pc:spChg>
-        <pc:spChg chg="add del mod">
-          <ac:chgData name="Lines, Todd" userId="afaf7c3a-e8aa-4568-882a-02ad8f9e19b0" providerId="ADAL" clId="{EC9BCF4E-3225-4E8D-9A27-FE7B02904EE6}" dt="2023-10-03T22:24:11.663" v="25"/>
-          <ac:spMkLst>
-            <pc:docMk/>
-            <pc:sldMk cId="0" sldId="642"/>
-            <ac:spMk id="28" creationId="{951B4F0A-F28F-0476-7425-A03477E8B606}"/>
-          </ac:spMkLst>
-        </pc:spChg>
-        <pc:spChg chg="add del mod">
-          <ac:chgData name="Lines, Todd" userId="afaf7c3a-e8aa-4568-882a-02ad8f9e19b0" providerId="ADAL" clId="{EC9BCF4E-3225-4E8D-9A27-FE7B02904EE6}" dt="2023-10-03T22:24:11.663" v="25"/>
-          <ac:spMkLst>
-            <pc:docMk/>
-            <pc:sldMk cId="0" sldId="642"/>
-            <ac:spMk id="29" creationId="{5B23609D-EA2A-BC03-189D-46DE14BDA43E}"/>
-          </ac:spMkLst>
-        </pc:spChg>
-        <pc:spChg chg="add del mod">
-          <ac:chgData name="Lines, Todd" userId="afaf7c3a-e8aa-4568-882a-02ad8f9e19b0" providerId="ADAL" clId="{EC9BCF4E-3225-4E8D-9A27-FE7B02904EE6}" dt="2023-10-03T22:24:11.663" v="25"/>
-          <ac:spMkLst>
-            <pc:docMk/>
-            <pc:sldMk cId="0" sldId="642"/>
-            <ac:spMk id="30" creationId="{F38D65E7-63B2-408E-555E-4A9B8BC33ED7}"/>
-          </ac:spMkLst>
-        </pc:spChg>
-        <pc:spChg chg="add del mod">
-          <ac:chgData name="Lines, Todd" userId="afaf7c3a-e8aa-4568-882a-02ad8f9e19b0" providerId="ADAL" clId="{EC9BCF4E-3225-4E8D-9A27-FE7B02904EE6}" dt="2023-10-03T22:24:11.663" v="25"/>
-          <ac:spMkLst>
-            <pc:docMk/>
-            <pc:sldMk cId="0" sldId="642"/>
-            <ac:spMk id="31" creationId="{2243B796-016F-65C7-584D-C35423AADEBD}"/>
-          </ac:spMkLst>
-        </pc:spChg>
-        <pc:spChg chg="add del mod">
-          <ac:chgData name="Lines, Todd" userId="afaf7c3a-e8aa-4568-882a-02ad8f9e19b0" providerId="ADAL" clId="{EC9BCF4E-3225-4E8D-9A27-FE7B02904EE6}" dt="2023-10-03T22:24:11.663" v="25"/>
-          <ac:spMkLst>
-            <pc:docMk/>
-            <pc:sldMk cId="0" sldId="642"/>
-            <ac:spMk id="32" creationId="{59F08521-550E-5728-AF99-33C1BFEA094D}"/>
-          </ac:spMkLst>
-        </pc:spChg>
-        <pc:spChg chg="add del mod">
-          <ac:chgData name="Lines, Todd" userId="afaf7c3a-e8aa-4568-882a-02ad8f9e19b0" providerId="ADAL" clId="{EC9BCF4E-3225-4E8D-9A27-FE7B02904EE6}" dt="2023-10-03T22:24:11.663" v="25"/>
-          <ac:spMkLst>
-            <pc:docMk/>
-            <pc:sldMk cId="0" sldId="642"/>
-            <ac:spMk id="33" creationId="{B567A73B-715B-9750-BEE1-02AC6A149DEE}"/>
-          </ac:spMkLst>
-        </pc:spChg>
-        <pc:spChg chg="add del mod">
-          <ac:chgData name="Lines, Todd" userId="afaf7c3a-e8aa-4568-882a-02ad8f9e19b0" providerId="ADAL" clId="{EC9BCF4E-3225-4E8D-9A27-FE7B02904EE6}" dt="2023-10-03T22:24:11.663" v="25"/>
-          <ac:spMkLst>
-            <pc:docMk/>
-            <pc:sldMk cId="0" sldId="642"/>
-            <ac:spMk id="34" creationId="{0621416B-57E4-D0FB-42D8-8B77BDF2D48B}"/>
-          </ac:spMkLst>
-        </pc:spChg>
-        <pc:grpChg chg="add del mod">
-          <ac:chgData name="Lines, Todd" userId="afaf7c3a-e8aa-4568-882a-02ad8f9e19b0" providerId="ADAL" clId="{EC9BCF4E-3225-4E8D-9A27-FE7B02904EE6}" dt="2023-10-03T22:25:02.420" v="37" actId="478"/>
-          <ac:grpSpMkLst>
-            <pc:docMk/>
-            <pc:sldMk cId="0" sldId="642"/>
-            <ac:grpSpMk id="18" creationId="{2A9650EA-7249-33F4-BDC6-BB1A02E22798}"/>
-          </ac:grpSpMkLst>
-        </pc:grpChg>
-        <pc:picChg chg="del">
-          <ac:chgData name="Lines, Todd" userId="afaf7c3a-e8aa-4568-882a-02ad8f9e19b0" providerId="ADAL" clId="{EC9BCF4E-3225-4E8D-9A27-FE7B02904EE6}" dt="2023-10-03T22:23:03.298" v="4" actId="478"/>
-          <ac:picMkLst>
-            <pc:docMk/>
-            <pc:sldMk cId="0" sldId="642"/>
-            <ac:picMk id="166917" creationId="{00000000-0000-0000-0000-000000000000}"/>
-          </ac:picMkLst>
-        </pc:picChg>
-        <pc:cxnChg chg="add mod">
-          <ac:chgData name="Lines, Todd" userId="afaf7c3a-e8aa-4568-882a-02ad8f9e19b0" providerId="ADAL" clId="{EC9BCF4E-3225-4E8D-9A27-FE7B02904EE6}" dt="2023-10-03T22:23:09.575" v="6" actId="164"/>
-          <ac:cxnSpMkLst>
-            <pc:docMk/>
-            <pc:sldMk cId="0" sldId="642"/>
-            <ac:cxnSpMk id="3" creationId="{E1BEDB1E-C789-723B-303F-59329052E523}"/>
-          </ac:cxnSpMkLst>
-        </pc:cxnChg>
-        <pc:cxnChg chg="add mod">
-          <ac:chgData name="Lines, Todd" userId="afaf7c3a-e8aa-4568-882a-02ad8f9e19b0" providerId="ADAL" clId="{EC9BCF4E-3225-4E8D-9A27-FE7B02904EE6}" dt="2023-10-03T22:23:35.848" v="17" actId="208"/>
-          <ac:cxnSpMkLst>
-            <pc:docMk/>
-            <pc:sldMk cId="0" sldId="642"/>
-            <ac:cxnSpMk id="4" creationId="{AA824A6F-D27D-BF74-7F31-590F1F237C25}"/>
-          </ac:cxnSpMkLst>
-        </pc:cxnChg>
-        <pc:cxnChg chg="add mod">
-          <ac:chgData name="Lines, Todd" userId="afaf7c3a-e8aa-4568-882a-02ad8f9e19b0" providerId="ADAL" clId="{EC9BCF4E-3225-4E8D-9A27-FE7B02904EE6}" dt="2023-10-03T22:24:26.586" v="29" actId="208"/>
-          <ac:cxnSpMkLst>
-            <pc:docMk/>
-            <pc:sldMk cId="0" sldId="642"/>
-            <ac:cxnSpMk id="5" creationId="{1819CFC2-BE55-C89C-390F-F092D190750D}"/>
-          </ac:cxnSpMkLst>
-        </pc:cxnChg>
-        <pc:cxnChg chg="add mod">
-          <ac:chgData name="Lines, Todd" userId="afaf7c3a-e8aa-4568-882a-02ad8f9e19b0" providerId="ADAL" clId="{EC9BCF4E-3225-4E8D-9A27-FE7B02904EE6}" dt="2023-10-03T22:24:31.507" v="30" actId="208"/>
-          <ac:cxnSpMkLst>
-            <pc:docMk/>
-            <pc:sldMk cId="0" sldId="642"/>
-            <ac:cxnSpMk id="6" creationId="{71369606-27CA-0876-0011-E73D5798357D}"/>
-          </ac:cxnSpMkLst>
-        </pc:cxnChg>
-        <pc:cxnChg chg="add mod">
-          <ac:chgData name="Lines, Todd" userId="afaf7c3a-e8aa-4568-882a-02ad8f9e19b0" providerId="ADAL" clId="{EC9BCF4E-3225-4E8D-9A27-FE7B02904EE6}" dt="2023-10-03T22:23:39.162" v="18" actId="208"/>
-          <ac:cxnSpMkLst>
-            <pc:docMk/>
-            <pc:sldMk cId="0" sldId="642"/>
-            <ac:cxnSpMk id="7" creationId="{838B7CEB-8D47-9CB8-7AF5-1FDD5BE2CB79}"/>
-          </ac:cxnSpMkLst>
-        </pc:cxnChg>
-        <pc:cxnChg chg="add del mod">
-          <ac:chgData name="Lines, Todd" userId="afaf7c3a-e8aa-4568-882a-02ad8f9e19b0" providerId="ADAL" clId="{EC9BCF4E-3225-4E8D-9A27-FE7B02904EE6}" dt="2023-10-03T22:24:11.663" v="25"/>
-          <ac:cxnSpMkLst>
-            <pc:docMk/>
-            <pc:sldMk cId="0" sldId="642"/>
-            <ac:cxnSpMk id="20" creationId="{EF2031AD-82D5-00EF-57E4-65ACBC64358F}"/>
-          </ac:cxnSpMkLst>
-        </pc:cxnChg>
-        <pc:cxnChg chg="add del mod">
-          <ac:chgData name="Lines, Todd" userId="afaf7c3a-e8aa-4568-882a-02ad8f9e19b0" providerId="ADAL" clId="{EC9BCF4E-3225-4E8D-9A27-FE7B02904EE6}" dt="2023-10-03T22:24:11.663" v="25"/>
-          <ac:cxnSpMkLst>
-            <pc:docMk/>
-            <pc:sldMk cId="0" sldId="642"/>
-            <ac:cxnSpMk id="21" creationId="{0D97FB16-6DFF-6D1B-D329-4536F7249477}"/>
-          </ac:cxnSpMkLst>
-        </pc:cxnChg>
-        <pc:cxnChg chg="add del mod">
-          <ac:chgData name="Lines, Todd" userId="afaf7c3a-e8aa-4568-882a-02ad8f9e19b0" providerId="ADAL" clId="{EC9BCF4E-3225-4E8D-9A27-FE7B02904EE6}" dt="2023-10-03T22:24:11.663" v="25"/>
-          <ac:cxnSpMkLst>
-            <pc:docMk/>
-            <pc:sldMk cId="0" sldId="642"/>
-            <ac:cxnSpMk id="22" creationId="{5EB6F8E0-BDD2-8643-8788-263432C577F1}"/>
-          </ac:cxnSpMkLst>
-        </pc:cxnChg>
-        <pc:cxnChg chg="add del mod">
-          <ac:chgData name="Lines, Todd" userId="afaf7c3a-e8aa-4568-882a-02ad8f9e19b0" providerId="ADAL" clId="{EC9BCF4E-3225-4E8D-9A27-FE7B02904EE6}" dt="2023-10-03T22:24:11.663" v="25"/>
-          <ac:cxnSpMkLst>
-            <pc:docMk/>
-            <pc:sldMk cId="0" sldId="642"/>
-            <ac:cxnSpMk id="23" creationId="{2DF72CEB-D1FF-0BB6-7C92-B0197F803972}"/>
-          </ac:cxnSpMkLst>
-        </pc:cxnChg>
-        <pc:cxnChg chg="add del mod">
-          <ac:chgData name="Lines, Todd" userId="afaf7c3a-e8aa-4568-882a-02ad8f9e19b0" providerId="ADAL" clId="{EC9BCF4E-3225-4E8D-9A27-FE7B02904EE6}" dt="2023-10-03T22:24:11.663" v="25"/>
-          <ac:cxnSpMkLst>
-            <pc:docMk/>
-            <pc:sldMk cId="0" sldId="642"/>
-            <ac:cxnSpMk id="24" creationId="{7B0AA3E5-4C67-7F9B-D51D-C4158F5C5986}"/>
-          </ac:cxnSpMkLst>
-        </pc:cxnChg>
-        <pc:cxnChg chg="add mod">
-          <ac:chgData name="Lines, Todd" userId="afaf7c3a-e8aa-4568-882a-02ad8f9e19b0" providerId="ADAL" clId="{EC9BCF4E-3225-4E8D-9A27-FE7B02904EE6}" dt="2023-10-03T22:24:21.865" v="28" actId="14100"/>
-          <ac:cxnSpMkLst>
-            <pc:docMk/>
-            <pc:sldMk cId="0" sldId="642"/>
-            <ac:cxnSpMk id="35" creationId="{68951A5C-1038-6AD4-487A-1CAC3912694D}"/>
-          </ac:cxnSpMkLst>
-        </pc:cxnChg>
-      </pc:sldChg>
-      <pc:sldChg chg="add ord">
-        <pc:chgData name="Lines, Todd" userId="afaf7c3a-e8aa-4568-882a-02ad8f9e19b0" providerId="ADAL" clId="{EC9BCF4E-3225-4E8D-9A27-FE7B02904EE6}" dt="2023-10-03T22:31:06.009" v="42"/>
-        <pc:sldMkLst>
-          <pc:docMk/>
-          <pc:sldMk cId="0" sldId="644"/>
-        </pc:sldMkLst>
-      </pc:sldChg>
-      <pc:sldChg chg="add ord">
-        <pc:chgData name="Lines, Todd" userId="afaf7c3a-e8aa-4568-882a-02ad8f9e19b0" providerId="ADAL" clId="{EC9BCF4E-3225-4E8D-9A27-FE7B02904EE6}" dt="2023-10-03T22:33:21.819" v="56"/>
-        <pc:sldMkLst>
-          <pc:docMk/>
-          <pc:sldMk cId="0" sldId="649"/>
-        </pc:sldMkLst>
-      </pc:sldChg>
-      <pc:sldChg chg="add ord">
-        <pc:chgData name="Lines, Todd" userId="afaf7c3a-e8aa-4568-882a-02ad8f9e19b0" providerId="ADAL" clId="{EC9BCF4E-3225-4E8D-9A27-FE7B02904EE6}" dt="2023-10-03T22:32:04.633" v="46"/>
-        <pc:sldMkLst>
-          <pc:docMk/>
-          <pc:sldMk cId="0" sldId="1265"/>
-        </pc:sldMkLst>
-      </pc:sldChg>
-      <pc:sldChg chg="add ord">
-        <pc:chgData name="Lines, Todd" userId="afaf7c3a-e8aa-4568-882a-02ad8f9e19b0" providerId="ADAL" clId="{EC9BCF4E-3225-4E8D-9A27-FE7B02904EE6}" dt="2023-10-03T22:32:51.112" v="52"/>
-        <pc:sldMkLst>
-          <pc:docMk/>
-          <pc:sldMk cId="2993630467" sldId="1392"/>
-        </pc:sldMkLst>
-      </pc:sldChg>
-      <pc:sldChg chg="add ord">
-        <pc:chgData name="Lines, Todd" userId="afaf7c3a-e8aa-4568-882a-02ad8f9e19b0" providerId="ADAL" clId="{EC9BCF4E-3225-4E8D-9A27-FE7B02904EE6}" dt="2023-10-03T22:32:45.413" v="50"/>
-        <pc:sldMkLst>
-          <pc:docMk/>
-          <pc:sldMk cId="1659495579" sldId="1393"/>
-        </pc:sldMkLst>
-      </pc:sldChg>
-      <pc:sldChg chg="add ord">
-        <pc:chgData name="Lines, Todd" userId="afaf7c3a-e8aa-4568-882a-02ad8f9e19b0" providerId="ADAL" clId="{EC9BCF4E-3225-4E8D-9A27-FE7B02904EE6}" dt="2023-10-03T22:32:59.234" v="54"/>
-        <pc:sldMkLst>
-          <pc:docMk/>
-          <pc:sldMk cId="51376995" sldId="1394"/>
-        </pc:sldMkLst>
-      </pc:sldChg>
-      <pc:sldChg chg="add">
-        <pc:chgData name="Lines, Todd" userId="afaf7c3a-e8aa-4568-882a-02ad8f9e19b0" providerId="ADAL" clId="{EC9BCF4E-3225-4E8D-9A27-FE7B02904EE6}" dt="2023-10-03T20:18:35.104" v="0"/>
-        <pc:sldMkLst>
-          <pc:docMk/>
-          <pc:sldMk cId="3341721471" sldId="1395"/>
-        </pc:sldMkLst>
-      </pc:sldChg>
-      <pc:sldChg chg="add">
-        <pc:chgData name="Lines, Todd" userId="afaf7c3a-e8aa-4568-882a-02ad8f9e19b0" providerId="ADAL" clId="{EC9BCF4E-3225-4E8D-9A27-FE7B02904EE6}" dt="2023-10-03T20:18:35.104" v="0"/>
-        <pc:sldMkLst>
-          <pc:docMk/>
-          <pc:sldMk cId="56129719" sldId="1396"/>
-        </pc:sldMkLst>
-      </pc:sldChg>
-      <pc:sldChg chg="add">
-        <pc:chgData name="Lines, Todd" userId="afaf7c3a-e8aa-4568-882a-02ad8f9e19b0" providerId="ADAL" clId="{EC9BCF4E-3225-4E8D-9A27-FE7B02904EE6}" dt="2023-10-03T20:18:35.104" v="0"/>
-        <pc:sldMkLst>
-          <pc:docMk/>
-          <pc:sldMk cId="2358746930" sldId="1397"/>
-        </pc:sldMkLst>
-      </pc:sldChg>
-      <pc:sldChg chg="add ord">
-        <pc:chgData name="Lines, Todd" userId="afaf7c3a-e8aa-4568-882a-02ad8f9e19b0" providerId="ADAL" clId="{EC9BCF4E-3225-4E8D-9A27-FE7B02904EE6}" dt="2023-10-03T22:34:29.478" v="58"/>
-        <pc:sldMkLst>
-          <pc:docMk/>
-          <pc:sldMk cId="991998997" sldId="1401"/>
-        </pc:sldMkLst>
-      </pc:sldChg>
-      <pc:sldChg chg="add ord">
-        <pc:chgData name="Lines, Todd" userId="afaf7c3a-e8aa-4568-882a-02ad8f9e19b0" providerId="ADAL" clId="{EC9BCF4E-3225-4E8D-9A27-FE7B02904EE6}" dt="2023-10-03T22:34:29.478" v="58"/>
-        <pc:sldMkLst>
-          <pc:docMk/>
-          <pc:sldMk cId="2670229828" sldId="1402"/>
-        </pc:sldMkLst>
-      </pc:sldChg>
-      <pc:sldChg chg="add ord">
-        <pc:chgData name="Lines, Todd" userId="afaf7c3a-e8aa-4568-882a-02ad8f9e19b0" providerId="ADAL" clId="{EC9BCF4E-3225-4E8D-9A27-FE7B02904EE6}" dt="2023-10-03T22:34:29.478" v="58"/>
-        <pc:sldMkLst>
-          <pc:docMk/>
-          <pc:sldMk cId="3310922850" sldId="1403"/>
-        </pc:sldMkLst>
-      </pc:sldChg>
-      <pc:sldChg chg="add ord">
-        <pc:chgData name="Lines, Todd" userId="afaf7c3a-e8aa-4568-882a-02ad8f9e19b0" providerId="ADAL" clId="{EC9BCF4E-3225-4E8D-9A27-FE7B02904EE6}" dt="2023-10-03T22:34:29.478" v="58"/>
-        <pc:sldMkLst>
-          <pc:docMk/>
-          <pc:sldMk cId="2467953072" sldId="1404"/>
-        </pc:sldMkLst>
-      </pc:sldChg>
-      <pc:sldChg chg="add ord">
-        <pc:chgData name="Lines, Todd" userId="afaf7c3a-e8aa-4568-882a-02ad8f9e19b0" providerId="ADAL" clId="{EC9BCF4E-3225-4E8D-9A27-FE7B02904EE6}" dt="2023-10-03T22:34:29.478" v="58"/>
-        <pc:sldMkLst>
-          <pc:docMk/>
-          <pc:sldMk cId="1944996610" sldId="1405"/>
-        </pc:sldMkLst>
-      </pc:sldChg>
-      <pc:sldChg chg="add del">
-        <pc:chgData name="Lines, Todd" userId="afaf7c3a-e8aa-4568-882a-02ad8f9e19b0" providerId="ADAL" clId="{EC9BCF4E-3225-4E8D-9A27-FE7B02904EE6}" dt="2023-10-03T22:30:30.378" v="40" actId="47"/>
-        <pc:sldMkLst>
-          <pc:docMk/>
-          <pc:sldMk cId="357481192" sldId="1406"/>
-        </pc:sldMkLst>
-      </pc:sldChg>
-      <pc:sldChg chg="modSp add mod">
-        <pc:chgData name="Lines, Todd" userId="afaf7c3a-e8aa-4568-882a-02ad8f9e19b0" providerId="ADAL" clId="{EC9BCF4E-3225-4E8D-9A27-FE7B02904EE6}" dt="2023-10-03T22:55:06.536" v="650" actId="20577"/>
-        <pc:sldMkLst>
-          <pc:docMk/>
-          <pc:sldMk cId="3491940521" sldId="1406"/>
-        </pc:sldMkLst>
-        <pc:spChg chg="mod">
-          <ac:chgData name="Lines, Todd" userId="afaf7c3a-e8aa-4568-882a-02ad8f9e19b0" providerId="ADAL" clId="{EC9BCF4E-3225-4E8D-9A27-FE7B02904EE6}" dt="2023-10-03T22:55:06.536" v="650" actId="20577"/>
-          <ac:spMkLst>
-            <pc:docMk/>
-            <pc:sldMk cId="3491940521" sldId="1406"/>
-            <ac:spMk id="3" creationId="{00000000-0000-0000-0000-000000000000}"/>
-          </ac:spMkLst>
-        </pc:spChg>
-      </pc:sldChg>
-    </pc:docChg>
-  </pc:docChgLst>
-  <pc:docChgLst>
-    <pc:chgData name="Lines, Todd" userId="afaf7c3a-e8aa-4568-882a-02ad8f9e19b0" providerId="ADAL" clId="{5BC0871A-774D-4453-B8B4-AFA9AAB67B99}"/>
-    <pc:docChg chg="custSel modSld">
-      <pc:chgData name="Lines, Todd" userId="afaf7c3a-e8aa-4568-882a-02ad8f9e19b0" providerId="ADAL" clId="{5BC0871A-774D-4453-B8B4-AFA9AAB67B99}" dt="2024-11-27T21:04:12.093" v="1" actId="21"/>
-      <pc:docMkLst>
-        <pc:docMk/>
-      </pc:docMkLst>
-      <pc:sldChg chg="delSp modSp mod">
-        <pc:chgData name="Lines, Todd" userId="afaf7c3a-e8aa-4568-882a-02ad8f9e19b0" providerId="ADAL" clId="{5BC0871A-774D-4453-B8B4-AFA9AAB67B99}" dt="2024-11-27T21:04:12.093" v="1" actId="21"/>
-        <pc:sldMkLst>
-          <pc:docMk/>
-          <pc:sldMk cId="0" sldId="261"/>
-        </pc:sldMkLst>
-        <pc:picChg chg="del mod">
-          <ac:chgData name="Lines, Todd" userId="afaf7c3a-e8aa-4568-882a-02ad8f9e19b0" providerId="ADAL" clId="{5BC0871A-774D-4453-B8B4-AFA9AAB67B99}" dt="2024-11-27T21:04:12.093" v="1" actId="21"/>
-          <ac:picMkLst>
-            <pc:docMk/>
-            <pc:sldMk cId="0" sldId="261"/>
-            <ac:picMk id="2" creationId="{D33DA90B-A3C7-4EB4-F703-28389D3312CF}"/>
+            <pc:sldMk cId="0" sldId="278"/>
+            <ac:picMk id="5" creationId="{379FB37C-1664-0768-1F85-CA597395B809}"/>
           </ac:picMkLst>
         </pc:picChg>
       </pc:sldChg>
@@ -969,7 +380,7 @@
             <a:fld id="{EFBB5B7A-3EC1-4CBC-A1FD-4B8F1F44BB01}" type="datetimeFigureOut">
               <a:rPr lang="en-US" smtClean="0"/>
               <a:pPr/>
-              <a:t>11/27/2024</a:t>
+              <a:t>12/4/2025</a:t>
             </a:fld>
             <a:endParaRPr lang="en-US"/>
           </a:p>
@@ -1134,7 +545,7 @@
             <a:fld id="{EFBB5B7A-3EC1-4CBC-A1FD-4B8F1F44BB01}" type="datetimeFigureOut">
               <a:rPr lang="en-US" smtClean="0"/>
               <a:pPr/>
-              <a:t>11/27/2024</a:t>
+              <a:t>12/4/2025</a:t>
             </a:fld>
             <a:endParaRPr lang="en-US"/>
           </a:p>
@@ -1309,7 +720,7 @@
             <a:fld id="{EFBB5B7A-3EC1-4CBC-A1FD-4B8F1F44BB01}" type="datetimeFigureOut">
               <a:rPr lang="en-US" smtClean="0"/>
               <a:pPr/>
-              <a:t>11/27/2024</a:t>
+              <a:t>12/4/2025</a:t>
             </a:fld>
             <a:endParaRPr lang="en-US"/>
           </a:p>
@@ -1735,7 +1146,7 @@
             <a:fld id="{EFBB5B7A-3EC1-4CBC-A1FD-4B8F1F44BB01}" type="datetimeFigureOut">
               <a:rPr lang="en-US" smtClean="0"/>
               <a:pPr/>
-              <a:t>11/27/2024</a:t>
+              <a:t>12/4/2025</a:t>
             </a:fld>
             <a:endParaRPr lang="en-US"/>
           </a:p>
@@ -1977,7 +1388,7 @@
             <a:fld id="{EFBB5B7A-3EC1-4CBC-A1FD-4B8F1F44BB01}" type="datetimeFigureOut">
               <a:rPr lang="en-US" smtClean="0"/>
               <a:pPr/>
-              <a:t>11/27/2024</a:t>
+              <a:t>12/4/2025</a:t>
             </a:fld>
             <a:endParaRPr lang="en-US"/>
           </a:p>
@@ -2259,7 +1670,7 @@
             <a:fld id="{EFBB5B7A-3EC1-4CBC-A1FD-4B8F1F44BB01}" type="datetimeFigureOut">
               <a:rPr lang="en-US" smtClean="0"/>
               <a:pPr/>
-              <a:t>11/27/2024</a:t>
+              <a:t>12/4/2025</a:t>
             </a:fld>
             <a:endParaRPr lang="en-US"/>
           </a:p>
@@ -2675,7 +2086,7 @@
             <a:fld id="{EFBB5B7A-3EC1-4CBC-A1FD-4B8F1F44BB01}" type="datetimeFigureOut">
               <a:rPr lang="en-US" smtClean="0"/>
               <a:pPr/>
-              <a:t>11/27/2024</a:t>
+              <a:t>12/4/2025</a:t>
             </a:fld>
             <a:endParaRPr lang="en-US"/>
           </a:p>
@@ -2789,7 +2200,7 @@
             <a:fld id="{EFBB5B7A-3EC1-4CBC-A1FD-4B8F1F44BB01}" type="datetimeFigureOut">
               <a:rPr lang="en-US" smtClean="0"/>
               <a:pPr/>
-              <a:t>11/27/2024</a:t>
+              <a:t>12/4/2025</a:t>
             </a:fld>
             <a:endParaRPr lang="en-US"/>
           </a:p>
@@ -2881,7 +2292,7 @@
             <a:fld id="{EFBB5B7A-3EC1-4CBC-A1FD-4B8F1F44BB01}" type="datetimeFigureOut">
               <a:rPr lang="en-US" smtClean="0"/>
               <a:pPr/>
-              <a:t>11/27/2024</a:t>
+              <a:t>12/4/2025</a:t>
             </a:fld>
             <a:endParaRPr lang="en-US"/>
           </a:p>
@@ -3153,7 +2564,7 @@
             <a:fld id="{EFBB5B7A-3EC1-4CBC-A1FD-4B8F1F44BB01}" type="datetimeFigureOut">
               <a:rPr lang="en-US" smtClean="0"/>
               <a:pPr/>
-              <a:t>11/27/2024</a:t>
+              <a:t>12/4/2025</a:t>
             </a:fld>
             <a:endParaRPr lang="en-US"/>
           </a:p>
@@ -3402,7 +2813,7 @@
             <a:fld id="{EFBB5B7A-3EC1-4CBC-A1FD-4B8F1F44BB01}" type="datetimeFigureOut">
               <a:rPr lang="en-US" smtClean="0"/>
               <a:pPr/>
-              <a:t>11/27/2024</a:t>
+              <a:t>12/4/2025</a:t>
             </a:fld>
             <a:endParaRPr lang="en-US"/>
           </a:p>
@@ -3610,7 +3021,7 @@
             <a:fld id="{EFBB5B7A-3EC1-4CBC-A1FD-4B8F1F44BB01}" type="datetimeFigureOut">
               <a:rPr lang="en-US" smtClean="0"/>
               <a:pPr/>
-              <a:t>11/27/2024</a:t>
+              <a:t>12/4/2025</a:t>
             </a:fld>
             <a:endParaRPr lang="en-US"/>
           </a:p>
